--- a/Linear Algebra(李宏毅,2018,Fall)/4 Matrix.pptx
+++ b/Linear Algebra(李宏毅,2018,Fall)/4 Matrix.pptx
@@ -189,7 +189,7 @@
   <inkml:trace contextRef="#ctx0" brushRef="#br0" timeOffset="16425.058">12192 6858 0,'32'-32'219,"31"32"-204,-31 0-15,31 0 16,1-32-16,-32 32 0,95 0 16,-32 0-16,-31 0 15,62 0-15,-62 0 16,31 0-16,0-31 15,-31 31-15,-32 0 16,63 0-16,-32 0 16,-31-32-16,0 32 15,32 0-15,-1 0 16,0 0-16,-31 0 0,32 0 16,-32 0-1,31 0-15,-31 0 16,-1 0-16,33 0 15,0 0-15,-33 0 0,1 0 16,31 0-16,-31 0 16,0 0-16,0 0 15,0 0 1,-1 0 0,1 0-16,0 0 15,-1 0 1,1 0-16,0 32 31,0-32 16,0 31-31,-1-31 15,-31 32-16,0 0 48</inkml:trace>
   <inkml:trace contextRef="#ctx0" brushRef="#br0" timeOffset="25468.652">8509 6191 0,'32'0'297,"31"0"-297,1 0 15,-32 0-15,-1 0 16,33 0-16,-33 0 15,1 0-15,0 0 16,0 0 0,31 0-16,1 0 15,-33 0-15,1 32 0,32-32 16,-32 0-16,31 0 16,0 0-16,1 0 15,31 0-15,-63 0 16,0 0-16,-1 0 15,33 0-15,-32 0 16,0 0-16,-32 32 16,31-32-16,1 0 15,0 0 1,-1 0 0,1 0-16,0 0 0,0 0 15,0 31-15,-1-31 16,1 0-16,31 0 15,-31 0 1,0 0 0,32 0-1,-1 0 1,-31 0-16,31 0 16,-31 0-16,32 0 15,-33 0-15,1 0 16,0 0-1,-1 0 1,1 0-16,0 0 16,0 0-1</inkml:trace>
   <inkml:trace contextRef="#ctx0" brushRef="#br0" timeOffset="27601.34">12922 6191 0,'32'0'281,"32"0"-281,-33 0 16,64-32-16,-31 32 15,-32 0-15,95 0 16,-32 0-16,-31 0 16,62 32-16,-94-32 0,32 0 15,-1 32-15,1-32 16,-1 0 0,-31 0-16,0 0 15,31 0-15,1 32 16,-33-32-16,33 0 15,0 0-15,-1 0 16,32-32-16,96 0 16,-96 32-16,64-95 15,-64 63-15,0 32 16,-31 0-16,-33-32 0,33 32 16,-32 0-1,0 0-15,-1 0 16,1 0-1,0 0 1,31 0 0,-31 0-16,0 0 15,0 0 1,-32-31 31,63 31 265,-63 31-312,32-31 16,-1 0 0,33 32 15</inkml:trace>
-  <inkml:trace contextRef="#ctx0" brushRef="#br0" timeOffset="43973.265">10858 8064 0,'64'0'110,"0"0"-95,31 0-15,-64 0 16,1 0-16,32 0 16,-32 0-16,-1 0 15,33 0-15,-33 0 16,33 0-1,31 0 1,-63 0-16,0 0 16,31 0-16,1 0 15,-1 0-15,-31 32 16,63-32-16,-63 0 16,32 0-16,-33 0 15,33 32-15,-33-32 16,1 32-16,0-32 15,0 0 1,0 0 0,-1 0-1,1 0 1,0 0 0,-1 0-1,1 0 1,0 0-1,32 0 1,-33 0 0,-31 31-1,32-31 32,-32 32 63</inkml:trace>
+  <inkml:trace contextRef="#ctx0" brushRef="#br0" timeOffset="43973.264">10858 8064 0,'64'0'110,"0"0"-95,31 0-15,-64 0 16,1 0-16,32 0 16,-32 0-16,-1 0 15,33 0-15,-33 0 16,33 0-1,31 0 1,-63 0-16,0 0 16,31 0-16,1 0 15,-1 0-15,-31 32 16,63-32-16,-63 0 16,32 0-16,-33 0 15,33 32-15,-33-32 16,1 32-16,0-32 15,0 0 1,0 0 0,-1 0-1,1 0 1,0 0 0,-1 0-1,1 0 1,0 0-1,32 0 1,-33 0 0,-31 31-1,32-31 32,-32 32 63</inkml:trace>
   <inkml:trace contextRef="#ctx0" brushRef="#br0" timeOffset="61148.301">7271 9398 0,'-64'0'297,"33"0"-297,-1 0 16,0-32-16,0 32 0,0 0 16,1-32-1,-1 32 1,32-31-16,-32-1 15,1 32 17,31-32-17,-32 32 1,0 0 62,0 0-47,0 0-15,32-32-16,-31 32 16,-1 0-1,0 0 1,32-31-1,-31 31-15,31-32 16,-64 0 15,64 0-15,0 1 15,0-1-15,0 0-1,0 0 1,0-31 0,0 31-1,32 0 1,0-95 0,-1 32-16,1 32 15,-32 31 1,0 0-1,63-63-15,1 0 16,-32 63 0,-32-32 31,32 64-16,-32-31-31,31 31 31,-31-32-31,32 32 31,-32-32-15,0 0 0,32 32-16,31 0 62,-31 0-62,63 0 16,0 0-16,-63-31 15,0 31-15,0 0 16,0 0-16,-1 0 16,33 0-16,-33 0 15,33 0-15,-32 31 16,63-31-16,-63 0 15,-32 32-15,31-32 16,1 0-16,0 0 16,0 0-16,-32 32 15,32-32 1,-1 0-16,1 0 16,-32 32-1,63-1 1,-31 1-1,0-32 1,-32 32 0,32-32-16,-32 32 15,32-32-15,-1 31 32,1-31-17,0 0-15,-32 32 0,0 0 16,0 0-1,31-32-15,-31 31 16,0 1-16,32 0 16,0 95-16,-32-95 15,64 63 1,-64-63 0,0 31-16,0-31 15,0 0 1,0-1-16,31 1 15,-31 32 1,0-33 0,0 1 15,0 0 16,0 0-47,0-1 31,0 1-31,0 0 31,0 0-15,0-1 15,-31-31-15,-1 32-1,0-32 1,0 32-16,-31 0 16,-64-1-16,63 1 15,1-32-15,-32 32 16,95 0 0,-32-32-16,0 0 0,32 31 31,-32-31-31,0 0 31,1 0-15,-1 0-1,0 0 1,-31 0 0,31 0-16,-63 0 15,31 0-15,33 0 0,-33 0 16,32 0-16,0 0 15,1 0 1,-1 0 15,0 0-15,1 0 15</inkml:trace>
   <inkml:trace contextRef="#ctx0" brushRef="#br0" timeOffset="69797.083">8604 10033 0,'32'0'296,"32"0"-280,-33 0 0,1 0-1,0 0 1,-1 0-16,33 0 16,-32 0-16,0 0 15,-1 0-15,1 0 16,31 0-16,1 0 15,-32 0-15,0 0 16,31 0-16,0 0 16,-31 0-16,0 0 15,32 0-15,-1 0 16,-31 0-16,-1 0 16,1 0-16,0 0 15,0 0-15,0 0 16,-1 0-16,1 0 15,0 0-15,-1 0 16,1 0 0,0 0-1,0 0-15,0 0 32,-1 0-32,1 0 31,0 0-16,-1 0 1,1 0-16,0 0 31,0 0 16,0-32-16,-1 0-15,1 32 0,-32-31-1,32 31-15,-1 0 16,1 0 15,-32-32-31,32 32 31,-32-32-31,0 0 16,0 1 0,0-1-1,0 0 1,0 0-16,0 1 16,0-1 15,0 0-31,0 0 31,0 1-15,0-33-1,-32 32 1,0 32 0,1-31-1,-1-1 1,0 32-16,1-32 15,-1 32-15,0-63 16,0 63-16,-31-32 16,-1 0-1,-31-63-15,0 95 16,31 0-16,-221-64 16,253 64-16,-32-31 15,-31 31-15,63 0 16,-31 0-16,-1 0 15,32 0 1,-31 0-16,31 0 16,-63 0-16,63 0 15,-63 31-15,32-31 16,-33-31-16,33 31 16,31 0-16,-63 0 15,31 0-15,32 31 16,1-31-16,-1 0 15,-31 0-15,31 0 32,0 0-17,32 32 1,-32-32 0,0 0-1,32 32 1,0 0 15,-31-1 32,-1 65-48,32-65-15,-32 96 0,32-63 16,0-1-16,0 1 15,0-32 1,0-1-16,0 1 16,0 0-1,0 0 32,0-1-16,0 1-31,0 0 16,64 95-16,-64-95 16,63-1-1,-63 1-15,0 0 16,0 0-16,32-32 16,-32 31-1,32 1 1,0-32-1,-1 32 1,-31 0 0,32-32-16,0 0 0,-1 0 31,1 0-15,-32 31-1,64-31-15,-32 0 16,-1 0-1,1 0 1,0 0 15,-1 0 1,1 0-17,0 0 1</inkml:trace>
   <inkml:trace contextRef="#ctx0" brushRef="#br0" timeOffset="107498.644">4953 12827 0,'32'0'234,"31"0"-234,33 0 16,-65 0-16,64 0 16,-63 0-16,64 0 15,-65 0-15,33-32 16,253-31-16,-221 31 0,-33 32 15,32 0-15,159 0 16,-127 0 0,-32 0-16,1 0 0,-1 32 15,-32-32-15,-31 0 16,0 0-16,32 0 16,-33 0-16,1 0 15,0 0 1,-1 31-16,65 1 15,-33-32-15,1 0 16,63 32-16,-32-32 16,0 0-16,-31 32 15,31-32-15,0 0 16,-31 0-16,31 0 16,-32 0-16,-31 31 0,0-31 15,32 0-15,31 32 16,-64 0-16,33-32 15,0 32-15,94-1 16,-94-31-16,63 0 16,-64 32-16,1-32 15,126 32-15,-158-32 16,0 0-16,63 0 16,-63 0-16,63 0 15,-95 32-15,64-32 0,-33 0 16,1 0-1,0 31 17,-1-31-17</inkml:trace>
@@ -288,15 +288,15 @@
   <inkml:trace contextRef="#ctx0" brushRef="#br0" timeOffset="6817.765">12097 9906 0,'31'0'297,"-31"32"-281,32-1 0,-32 1-1,64-32 16,-64 32-31,32-32 32</inkml:trace>
   <inkml:trace contextRef="#ctx0" brushRef="#br0" timeOffset="9171.587">19907 10350 0,'-31'0'312,"31"-31"-312,-32 31 0,32-32 16,-32 32-16,0-32 31,32 0-15,-32 32-1,1-31 1,31-1 15,0-32 0,-32 64-31,0-31 32,1-1-1,31 0-16,0 0 32,0 1-15,0-1-32,0 0 15,0 0 16,0 1 1,0-1-17,0 0 17,0 0-32,31 32 31,-31-31-31,32 31 15,-32-32 1,63 0-16,-31 0 16,64-63-16,-33 95 15,-63-32 1,32 32-16,-1 0 31,1 0-15,0 0-1,0 0-15,0 0 32,31 0-17,0 0-15,-31 0 16,0 0-16,0 0 16,0 0-1,-1 32 1,1-32-16,-32 32 0,32-32 15,-1 0 1,-31 32-16,0-1 16,32-31-16,0 32 31,0-32-15,-32 32-16,32-32 15,-32 32 1,0-1-1,0 1-15,0 0 32,0 31-17,0 33 1,-64-65-16,64 1 16,0 0-1,-32-32 1,32 32-16,0-1 15,-32-31-15,32 32 16,-31-32 0,31 32-16,-32 0 15,0-32 1,32 31-16,-31-31 16,-1 0-16,0 0 31,0 32-16,-31-32 1,31 0 0</inkml:trace>
   <inkml:trace contextRef="#ctx0" brushRef="#br0" timeOffset="12812.054">22003 10382 0,'0'-32'312,"-32"32"-296,0 0-16,1-63 31,-1 63-31,0 0 16,32-32-1,-32 32 1,32-32 0,-32 32-1,32-31 1,-31-1-16,-1 32 15,0 0 1,1-32-16,31 0 16,-32 1-16,0-33 15,0 32-15,0-31 16,-31-32-16,63 63 16,-32 32-1,32-32 1,-31 32-1,31-63 1,0 31 0,0 0-1,0 0 1,0 1 0,0-33-16,0 32 31,31 1-16,33-1 1,-33 0 0,1 32-1,0 0-15,0 0 16,31-63-16,1 63 16,-33 0-16,1 0 15,64 0-15,-65 0 16,1 0-1,0 0 1,-1 0-16,33 31 16,-32-31-1,0 0 1,-1 32-16,33-32 16,-1 32-16,1-32 15,-32 32-15,-1-32 16,-31 31-16,32-31 15,0 0 1,-32 32-16,31 0 16,-31 0-1,32-32-15,-32 31 16,32 1 0,0 0-1,-32 0-15,0 31 16,32-63-16,-32 32 0,0 0 15,0-1 1,0 1 0,0 63-1,0-31-15,0-1 16,-32 1-16,0-32 16,32-1-16,-32 1 15,32 0 16,-32 0-15,32-1 0,-31-31-16,31 32 15,0 0 1,-32-32-16,0 0 16,1 0-1,-65 32 1,1-32-16,32 31 15,-33-31-15,-31 0 16,64 32-16,-33 0 16,65-32-16,-1 0 15,0 0-15</inkml:trace>
-  <inkml:trace contextRef="#ctx0" brushRef="#br0" timeOffset="33649.296">5175 10096 0,'32'0'281,"0"0"-265,-1 0-16,1 0 16,0 0-1,0 0 1,0 32 0,-1-32 15,1 0-16,0 0 1,-1 0 15,1 0-15,0 0 0,0 0-1,0 0 1</inkml:trace>
+  <inkml:trace contextRef="#ctx0" brushRef="#br0" timeOffset="33649.295">5175 10096 0,'32'0'281,"0"0"-265,-1 0-16,1 0 16,0 0-1,0 0 1,0 32 0,-1-32 15,1 0-16,0 0 1,-1 0 15,1 0-15,0 0 0,0 0-1,0 0 1</inkml:trace>
   <inkml:trace contextRef="#ctx0" brushRef="#br0" timeOffset="34949.964">11684 10287 0,'64'0'125,"31"0"-110,-64 0-15,33 32 16,-32-32-1,0 0-15,-1 0 16,1 31 15,0-31-15,-1 0 15</inkml:trace>
-  <inkml:trace contextRef="#ctx0" brushRef="#br0" timeOffset="36520.728">7556 15557 0,'32'0'297,"0"0"-297,0 0 0,0 0 15,-1 0 16,1 0 1,0 0-32,-1 0 15,33 0 1,-32 0 0,0 0-16,-1 0 15,1 0 16,31 0 1,-31 0-17,-32 32 17,32-32-32</inkml:trace>
+  <inkml:trace contextRef="#ctx0" brushRef="#br0" timeOffset="36520.727">7556 15557 0,'32'0'297,"0"0"-297,0 0 0,0 0 15,-1 0 16,1 0 1,0 0-32,-1 0 15,33 0 1,-32 0 0,0 0-16,-1 0 15,1 0 16,31 0 1,-31 0-17,-32 32 17,32-32-32</inkml:trace>
   <inkml:trace contextRef="#ctx0" brushRef="#br0" timeOffset="37710.198">6858 10414 0,'32'0'141,"0"0"-141,31-32 15,32 32-15,-63 0 16,0 0-1,0 0 1,-1 0 0,33 0-1,-33 0-15,1 0 16,0 0-16,0 0 16,31 0-16,-31 0 31,0 0-31,-1 0 31,1 0 16,-32-32-31,64 32-16,-64-31 15</inkml:trace>
   <inkml:trace contextRef="#ctx0" brushRef="#br0" timeOffset="39269.114">13176 10382 0,'32'0'219,"0"0"-204,0 0-15,31 0 16,-31 0 0,-1 32-1,1-32-15,32 0 16,-32 0 0,-1 0-16,1 0 15,0 0-15,-1 0 0,1 0 16,0 0-1,0 0 17,0 0-1</inkml:trace>
   <inkml:trace contextRef="#ctx0" brushRef="#br0" timeOffset="40401.802">9208 15684 0,'95'32'140,"-32"-32"-140,33 0 16,-65 0-16,1 0 16,0 0-1,-1 0-15,1 0 16,0 0-1,0 0 1,0 0-16,31 0 16,-31 0-16,63 0 0,32 0 15,-32 0-15,-63 0 16,63 0-16,-63 0 16,31 0-16,-31 0 15,0 0-15,0 0 31,0 0-31,-1 0 16,1 0 0,-32 32-1,32-32 1,-1 0-16,1 0 47</inkml:trace>
   <inkml:trace contextRef="#ctx0" brushRef="#br0" timeOffset="51526.437">5524 10319 0,'-31'0'297,"-1"0"-281,0 0 0,32-64-1,-31 64-15,31-32 16,-32 32-1,0 0-15,32-31 16,-32 31-16,0-32 16,32 0-16,-31 32 15,-1 0-15,32-32 16,-32 1-16,32-1 16,-31 32-1,-1 0-15,0-32 16,0 0-1,32 1 1,-32-1 0,32 0-1,-31 32 1,31-127 0,0 95-1,0 1 1,0-1 15,0-63-15,31 63-16,-31 0 15,32 32-15,-32-32 16,0 1-16,64 31 16,-64-32-1,32 32-15,-32-32 16,31 32-1,1 0-15,-32-32 16,32 32 0,-32-31-16,31-1 15,1 32 1,0-32 0,0 0-1,0 32 16,-1 0-15,1 0 0,31 0-16,1 0 15,0 0-15,-1 0 0,0 0 16,33 0-16,-64 0 16,-1 0-1,1 0 1,0 0-1,-1 0 1,-31 32 0,32-32-16,0 0 15,-32 32 1,0 0 0,32-1-16,-32 1 15,32 0 1,-32 0-1,0-1 1,0 1-16,0 0 16,0 0-1,0-1 1,0 1 15,0 32-31,0-33 16,0 1-16,0 0 15,0 0 1,-32 31 0,0-63-1,32 32 1,0 0 0,-32-1-1,0-31 1,32 32-1,-31-32-15,31 64 32,-32-64-17,0 0 17,32 31-17,-31-31 1,-1 0-1,0 0 17</inkml:trace>
   <inkml:trace contextRef="#ctx0" brushRef="#br0" timeOffset="53835.353">12192 10446 0,'-64'0'297,"33"0"-281,-33 0-1,33 0 1,31-32-16,-32 32 16,0 0-16,0-32 15,-31 0 16,63 1-31,-32 31 16,-31-127-16,63 95 16,-64-63-16,32 31 15,0 1 1,-31-64-16,63 95 16,0 0-1,-32 0-15,32-31 31,0 31-31,0 0 16,0 1 0,0-1-16,0 0 15,0 0 1,32 1-16,0-1 31,-1 32-15,1-32-16,-32 0 31,32 32-15,-32-31-16,32 31 0,-32-32 15,32 32 1,31-32 15,0 0-31,-31 32 16,32 0-16,-1 0 15,-31 0-15,0 0 16,-1 0 0,1 0 15,0 0-31,0 0 16,0 0-1,-32 32 1,31-32-16,-31 32 15,32-32-15,-32 32 16,32-32 0,-32 31-1,63-31 1,-63 32-16,0 0 16,32 0-1,-32-1 1,0 1-1,0 32-15,0-33 16,32 33 0,-32-1-16,0-31 15,0 0 1,0 0 0,0 31-1,0-31-15,0 0 16,0-1-16,0 1 15,0 0 17,0 0-17,0-1-15,0 1 32,-32 0-1,32 0 0,-64-1-15,64 1-1,-63 32-15,-64 31 16</inkml:trace>
-  <inkml:trace contextRef="#ctx0" brushRef="#br0" timeOffset="56408.261">18447 15621 0,'-32'0'297,"0"0"-266,1 0-16,-97 0 1,97 0 0,-1 0-16,-31 0 15,-1 0-15,32 0 16,0 0-16,-31 0 16,0 0-16,31 0 15,0 0-15,0-32 16,0 32-16,1 0 15,-33-32-15,33 32 16,-1 0-16,-32 0 16,1 0-1,31-31-15,0 31 16,1 0-16,-33-32 16,32 32-16,0 0 15,-31 0-15,31 0 16,1 0-16,-1 0 15,0-32-15,0 32 0,0-32 32,32 1-17,0-1 1,0-32 15,0 1-31,0-191 16,32 127-16,159-159 15,-128 191-15,1 31 16,31-63-16,-32 96 16,1-1-16,-32 0 15,0 32-15,31 0 16,-31 0 0,31 0-16,1 0 15,-32 0 1,-1 0-1,33 0-15,31 32 16,-31-32 0,-1 63-16,64-31 15,-95 0-15,31 0 16,1-1-16,-1-31 16,-63 32-16,32-32 15,-32 32-15,32 0 16,0 31-16,-1-31 15,1 0-15,-32-1 0,63 1 16,-63 0-16,0 31 16,0-31-16,32 32 15,-32-33 1,0 1 0,0 32-1,0-33 1,0 1-1,0 0 17,0 0-17,0-1 1,0 1 15,-32 0 0,-31-32-15</inkml:trace>
+  <inkml:trace contextRef="#ctx0" brushRef="#br0" timeOffset="56408.26">18447 15621 0,'-32'0'297,"0"0"-266,1 0-16,-97 0 1,97 0 0,-1 0-16,-31 0 15,-1 0-15,32 0 16,0 0-16,-31 0 16,0 0-16,31 0 15,0 0-15,0-32 16,0 32-16,1 0 15,-33-32-15,33 32 16,-1 0-16,-32 0 16,1 0-1,31-31-15,0 31 16,1 0-16,-33-32 16,32 32-16,0 0 15,-31 0-15,31 0 16,1 0-16,-1 0 15,0-32-15,0 32 0,0-32 32,32 1-17,0-1 1,0-32 15,0 1-31,0-191 16,32 127-16,159-159 15,-128 191-15,1 31 16,31-63-16,-32 96 16,1-1-16,-32 0 15,0 32-15,31 0 16,-31 0 0,31 0-16,1 0 15,-32 0 1,-1 0-1,33 0-15,31 32 16,-31-32 0,-1 63-16,64-31 15,-95 0-15,31 0 16,1-1-16,-1-31 16,-63 32-16,32-32 15,-32 32-15,32 0 16,0 31-16,-1-31 15,1 0-15,-32-1 0,63 1 16,-63 0-16,0 31 16,0-31-16,32 32 15,-32-33 1,0 1 0,0 32-1,0-33 1,0 1-1,0 0 17,0 0-17,0-1 1,0 1 15,-32 0 0,-31-32-15</inkml:trace>
   <inkml:trace contextRef="#ctx0" brushRef="#br0" timeOffset="59062.022">6668 10350 0,'31'0'234,"-31"-31"-218,0-1-1,32 32 1,0-32 0,31 32-1,1-32 1,-1 32-16,32 0 15,-31 0-15,-32 0 16,0-31 0,-1 31-1,1 0 1,0 0 0,-1 0 15,1 0-31,0 0 15,32 0 1,-33 0 15,1 0-15,0 31 0,-1-31-1,-31 64 1,64-32-16,-64-1 15,0 1 1,32-32 0,-32 32-16,0 0 15,0-1 1,0 1 0,0 32 15,-64-33-16,64 1 17,-32 0-1,32 0-15,-31-32-1,-1 31 1,0-31 15,-31 0-15,-1 0-16,-31 0 15,-32-31-15,95-1 16,-63 0-16,0 0 16,-1 32-16,33-31 15,-64-65-15,32 65 16,-32-33-16,63 32 15,32-31-15,-63 31 16,64 0-16,-1 1 0,-32 31 16,64-32-1,-63 0-15,31 0 32,32 1-32,-63-96 15,31 63-15,0-158 16,32 95-16,0-32 15,0 96-15,32 31 16,-32 0-16,32 0 16,-32 1-16,31-1 15,96-32 1,-63 1-16,-1 31 16,32 32-16,-31 0 15,31-32-15,-63 32 16,0 0-16,63 0 15,-31 0-15,31 0 16,-32 0-16,1 0 16,31 0-16,-63 0 15,31 32-15,1 0 16,-32 31-16,-1-63 16,1 0-16,-32 32 15,32 0-15,63 95 0,-31-64 16,-33 1-1,-31-32-15,32 31 16,31 1-16,-31-33 16,-32 33-1,0-32 1,32-32-16,-32 31 16,0 1-1,0 0 1,0 0 15,0 31-15,0-31 15,0 0 16,-32-32-32,0 0 17,1 31-17</inkml:trace>
   <inkml:trace contextRef="#ctx0" brushRef="#br0" timeOffset="60959.564">13272 10668 0,'-32'-127'250,"-32"63"-235,32-31-15,32-32 0,0 95 16,-63-31-1,63 31 1,0 0 0,0 1-1,0-1-15,0-32 16,0 33-16,0-65 31,0 65-15,32 31-16,-32-32 15,0 0 1,0 0 15,0 1-31,31 31 16,-31-32 15,0 0-15,32 32 15,32-63-15,94 31-1,-62-63-15,-33 63 16,1 32-16,-33 0 16,1 0-16,0 0 15,0 0 1,0 0-1,-1 0 1,1 63 15,-32-31-15,63 0 0,-31 31-16,0-31 15,0 95-15,-32-95 16,32 0-16,-1-1 15,-31 1-15,0 63 16,32-95-16,-32 32 16,0 0-16,32-32 0,-32 95 15,31-31 1,-31-33-16,0 1 16,0 32-1,0-33 1,0 1-1,0 0 1,0 0 0,-31-1 15,-1 33-31,-31-1 0,63-31 16,-32 0-16,0-32 15,32 32 1,-64-1-16,33 1 31,-1-32-15,-31 0-1,-1-63 1,-63 31-16</inkml:trace>
   <inkml:trace contextRef="#ctx0" brushRef="#br0" timeOffset="63675.481">20574 15621 0,'-32'0'281,"32"32"-265,-32-32-16,1 0 15,-1 0 17,32 31-32,-63-31 31,31 0-15,-32 0-1,1 0 1,31 32-16,-31 0 15,-1 0-15,32-32 16,0 0-16,1 0 16,-1 0 15,0 0-15,1 0-1,-1 0 1,-32 0-1,32 0 17,1 0-32,-1-32 31,0 32-31,32-32 31,-31 32-31,-1 0 16,32-32-1,-64 1-15,64-33 16,-63 32-16,63 1 16,0-1-16,0 0 15,-64 0-15,33 1 16,31-1-16,0 0 16,0 0-1,-32-31-15,32 31 0,0 0 16,0 1-1,0-1-15,0-32 16,0 33-16,32-96 16,-32 63-16,63-95 15,-31-31-15,-1 158 16,-31-63-16,0 63 16,0 0-16,32 32 15,-32-31 1,0-1-1,32 32 1,-32-32 0,32 32-1,-32-32 1,63 32 0,-31 0-1,0 0 16,-1 0-15,65 0 0,-33 0-16,-31 0 15,0 0-15,95 32 0,-64-32 16,-31 32 0,0-32-16,-32 32 0,63-32 15,-31 0 1,-32 31-16,32 1 15,0 0 1,-1 0 15,33-1-31,-64 1 16,31 0-16,1 31 16,0-63-1,-32 32-15,0 0 16,32-32-16,-32 32 15,0-1-15,32-31 16,-32 64 0,31-64-1,-31 32-15,32-32 16,-32 31 0,0 1-1,0 0 1,0 0 15,0-1-31,0 1 31,0 0-15,0 0 0,0-1-1,0 1 1,0 0-1,-32-32 1,1 32 0,-1-1-1,0 1 1,-32 63-16,1-63 16,31 0-1,32 0-15,-31-32 16,-1 31-1,0-31 1,0 0 15</inkml:trace>
@@ -369,7 +369,7 @@
     </inkml:brush>
   </inkml:definitions>
   <inkml:trace contextRef="#ctx0" brushRef="#br0">2413 6064 0,'32'0'234,"31"0"-218,1 0-16,-32 0 15,63 0-15,-64 0 16,33 0-16,-32 0 15,31 0-15,-31 0 16,31 0-16,-31 0 16,32 0-16,-32 0 15,31 0-15,-31 0 16,-1 0-16,33 0 16,0 0-16,-33 0 15,1 0-15,0 0 16,31 0-16,-31 0 0,0 0 15,0 0-15,63 0 16,-64 0 0,1 0-16,0 0 15,0 0 1,0 0 0,-1 0-16,1 0 15,0 32-15,-1-32 16,1 0-16,32 32 15,-32-32-15,-1 0 16,1 0-16,0 0 16,31 0-1,-31 0 1,0 31 0,0-31-16,-1 0 15,33 0 1,-33 32-16,1-32 15,0 0 1,0 0-16,31 0 16,-31 0-1,0 0-15,-1 0 16,1 0 0,0 0-1,0 0-15,0 0 16,-1 0-1,1 0 1,-32 32-16,32-32 16,-1 0-1,1 0 1,0 0 0,0 0-1,0 0-15,-1 0 16,1 0-1,0 0-15,-1 0 16,1 0 0,0 0-16</inkml:trace>
-  <inkml:trace contextRef="#ctx0" brushRef="#br0" timeOffset="1907.582">7080 6159 0,'32'0'297,"32"0"-281,-33 0-16,33 0 0,-33 0 16,1 0-1,0 0-15,0 0 16,31 0-1,-31 0-15,0 0 16,-1 0-16,1 0 16,64 0-16,-65 0 15,1 0-15,0 0 16,63 0-16,-63 0 16,0 0-16,-1 0 15,33 0-15,-1 0 16,-31 0-16,0 0 15,31 0-15,-31 0 0,31 0 16,-31 0-16,0 0 16,0 0-1,0 0-15,-1 0 16,1 0 0,0 0-1,-1 32 1,1-32 15,0 0 0,0 0 1</inkml:trace>
+  <inkml:trace contextRef="#ctx0" brushRef="#br0" timeOffset="1907.581">7080 6159 0,'32'0'297,"32"0"-281,-33 0-16,33 0 0,-33 0 16,1 0-1,0 0-15,0 0 16,31 0-1,-31 0-15,0 0 16,-1 0-16,1 0 16,64 0-16,-65 0 15,1 0-15,0 0 16,63 0-16,-63 0 16,0 0-16,-1 0 15,33 0-15,-1 0 16,-31 0-16,0 0 15,31 0-15,-31 0 0,31 0 16,-31 0-16,0 0 16,0 0-1,0 0-15,-1 0 16,1 0 0,0 0-1,-1 32 1,1-32 15,0 0 0,0 0 1</inkml:trace>
   <inkml:trace contextRef="#ctx0" brushRef="#br0" timeOffset="3882.104">14319 6096 0,'95'32'203,"-63"-32"-203,32 0 16,-32 0-16,31 0 15,-31 0 16,-1 0-15,1 0-16,0 0 16,0 0-1,0 0 1,-1 0 0,1 0-1,-32 31-15,63-31 16,-31 0-1,0 0-15,0 0 16,0 32 0,-1-32-1,1 0 1,-32 32 0,32-32-16</inkml:trace>
   <inkml:trace contextRef="#ctx0" brushRef="#br0" timeOffset="4861.065">16828 6286 0,'63'0'172,"-31"0"-172,31 0 16,-31 0-1,0 0 1,0 0 0,-32-31 62</inkml:trace>
 </inkml:ink>
@@ -424,7 +424,7 @@
   <inkml:trace contextRef="#ctx0" brushRef="#br0" timeOffset="129578.3">8287 9557 0,'-32'31'218,"32"1"-202,0 0 0,0 0-1,0-1-15,0 1 16,-32-32-1,32 64-15,0-33 16,0 1 0,0 0-16,0 0 15,0-1 1,-31-31 0,31 32-1,0 0 1,0 0 15,0-1 0,0 1 1,0 0-1,0 0 31,31-32-46,-31 31 15,32-31-15,0 0 15,-32 32-15,31-32-1,1 32 79,-32 0-63,32-32-15,-32 31 15,64-31-15,-64 32-16,31 0 47</inkml:trace>
   <inkml:trace contextRef="#ctx0" brushRef="#br0" timeOffset="130834.715">8636 9779 0,'0'32'297,"0"-1"-281,0 1 0,0 0-16,0 0 15,0-1 16,0 1 1,0 0-1,0 0-15,0-1-1,0 1 16,0 0 1,0 0-32,0-1 47,0 33-1,0-96 1</inkml:trace>
   <inkml:trace contextRef="#ctx0" brushRef="#br0" timeOffset="131918.755">9144 10160 0,'-64'0'329,"64"32"-314,-31-32 1,-1 63 15,0-63 16,32 32-16,-31-32 0</inkml:trace>
-  <inkml:trace contextRef="#ctx0" brushRef="#br0" timeOffset="133478.981">9334 9715 0,'0'0'0,"32"0"219,0 0-203,0 0-16,0 0 15,31 0 1,-31 0 15,-32 32-15,31-32-1,1 0 1,-32 32 0,0 0 30,32-32-30,-32 31 15,0 1 1,0 0-32,-32 0 15,32-1 1,-32-31-1,32 32 1,-31-32-16,-1 32 16,0-32-1,32 63 1,-31-63 0,-1 0-16,32 32 15,0 0 1,-32-32-1,0 32 17,0-32 15,64 0 46,64 0-77,-33 0-16,-31 0 16,-1 0-16,1 0 15,0 0 1,0 0-1,0 0 1,-1 0-16,1 0 31,0 0 1</inkml:trace>
+  <inkml:trace contextRef="#ctx0" brushRef="#br0" timeOffset="133478.98">9334 9715 0,'0'0'0,"32"0"219,0 0-203,0 0-16,0 0 15,31 0 1,-31 0 15,-32 32-15,31-32-1,1 0 1,-32 32 0,0 0 30,32-32-30,-32 31 15,0 1 1,0 0-32,-32 0 15,32-1 1,-32-31-1,32 32 1,-31-32-16,-1 32 16,0-32-1,32 63 1,-31-63 0,-1 0-16,32 32 15,0 0 1,-32-32-1,0 32 17,0-32 15,64 0 46,64 0-77,-33 0-16,-31 0 16,-1 0-16,1 0 15,0 0 1,0 0-1,0 0 1,-1 0-16,1 0 31,0 0 1</inkml:trace>
   <inkml:trace contextRef="#ctx0" brushRef="#br0" timeOffset="134892.286">9874 9493 0,'0'32'297,"0"0"-297,0-1 15,0 1 1,0 0 15,0 31-15,0-31 15,0 0 0,0 0-15,0-1 15,0 1 0,0 0-15,0 0-16,0-1 31,0 1 0,0 32-15,0-33 0,-32 33-1,1-64 1,31 32-16,0-1 0,-32-31 16,32 32-1,-32-32-15,32 32 16,0 0-16,-31-32 15,31 31 1,-32 1 0,-32 32-1,64-33-15,-63 33 16,63-32 0,-32-32-16,32 31 15,-63 1 1,-33 63-16,64-63 0,-31-32 15,63 32-15,-32-32 16,1 0-16,-1 32 16</inkml:trace>
 </inkml:ink>
 </file>
@@ -468,8 +468,8 @@
   <inkml:trace contextRef="#ctx0" brushRef="#br0" timeOffset="149789.62">10541 2635 0,'-32'95'281,"-63"32"-281,0 96 16,0-96-16,31 63 15,-31-31-15,31 31 16,33-94-16,31-1 16,-32 0-16,0 0 15,0-31-15,32-1 16,0 33-16,-32-1 0,32-32 15,0 1 1,0 31-16,-31-31 0,31-1 16,0 32-16,0 1 15,0-1-15,0-32 16,0 1-16,0 31 16,0-31-16,0-33 15,0 1-15,0 32 16,0-1-16,0-31 15,0 31-15,0 1 16,0 63-16,0-32 16,0 32-16,0-63 15,0 31-15,0 0 0,0-31 16,0-33-16,0 33 16,0-32-16,0 31 15,31-31-15,-31 0 16,32 63-16,0 0 15,-32-31-15,159 190 16,-64-64-16,-63-95 16,0 64-16,63 95 15,-95-222 1,31 31-16,33 64 16,-32-63-1,0-1-15,-32 33 16,31-1-16,-31-63 0,0 63 15,32 0-15,0-63 16,-32 63-16,0 0 16,63-63-16,-31 63 15,-32-63-15,32 32 16,31 31-16,-31-63 16,31 63-16,-31-32 15,0-31-15,32 32 16,-33-33-16,-31 33 15,32-64-15,31 95 16,-63-31-16,32-33 0,-32 1 16,0 63-16,32-31 15,-32-1-15,32-31 16,0 63-16,-32-31 16,0-1-16,0 1 15,31 31 1,-31-63-16,32 31 15,-32-31-15,0 32 16,0-33-16,0 1 16,32 32-16,-32-1 15,31 1-15,-31-33 0,0 1 16,0 0 0,0 31-16,0-31 0,0 32 15,32-1 1,-32-31-16,0 0 15,0-1-15,0 1 16,32 0-16,-32 0 16,0 31-16,0-31 15,0 0-15,0-1 16,64 33 0,-64-32-1,0 31-15,31 1 16,-31-33-1,32 33-15,-32-1 16,32-63 0,-32 32-16,0 0 15,31 0-15,-31-1 16,64 33 0,-32-64-1,-32 32-15,0-1 16,32-31-16,-32 32 15,31-32-15,-31 32 16,64-159 0,31-95-1,-63-1-15,-32 192 16,0-96-16,0 0 0,0-191 16,0 223-1,0-127-15,0 63 0,0 64 16,0-1-16,0 1 15,32 0-15,-32 63 32,-32 32 30,0 0-62,32-32 16,-32 32-16,0 0 15,1 0 17,-1 0-17,0 0 1,1 0 0,-1 0 46,32 32-31,-32-32 16,32 32-16,0 0-15,0-1 15,-32 1-15,32 0 0,0 0-1</inkml:trace>
   <inkml:trace contextRef="#ctx0" brushRef="#br0" timeOffset="150606.516">11652 10319 0</inkml:trace>
   <inkml:trace contextRef="#ctx0" brushRef="#br0" timeOffset="152617.61">12097 10160 0,'0'32'250,"31"-1"-235,-31 1-15,0 0 16,32-32 0,-32 32-1,32-1-15,-32 1 16,32-32-16,0 0 16,-32 32-16,31-32 15,1 32-15,0-1 16,-1 1-16,97 63 15,-97-63-15,1 0 16,63 0-16,1 31 16,-65-63-16,33 64 15,-33-64 1,1 31-16,0-31 16,0 0 15,0 0 16,-1 0-32</inkml:trace>
-  <inkml:trace contextRef="#ctx0" brushRef="#br0" timeOffset="155166.382">12668 2476 0,'96'0'78,"-33"0"-78,32-31 16,-31 31-16,-32 0 15,63 0-15,0 0 16,0 0-16,0-32 16,33 0-16,-2 32 15,-30-32-15,-33 32 16,96-31-16,-95 31 0,31 0 16,-64 0-16,1 0 15,32 0-15,-1 0 16,1 0-16,-1 0 15,-31 0-15,32 0 16,-33 31 0,1-31-1,0 0 17,-32 32-1</inkml:trace>
-  <inkml:trace contextRef="#ctx0" brushRef="#br0" timeOffset="156184.324">12351 3238 0,'127'32'110,"0"-32"-95,0 0-15,-32 32 16,64-32-16,-127 0 16,63 0-16,-64 0 15,33 32-15,0-32 16,-1 0-16,-31 31 16,31-31-16,1 0 15,63 0-15,-32 32 16,32-32-16,-32 32 0,64 31 15,-96-63-15,65 32 16,-65-32-16,0 0 16,1 32-16,0 0 15,-33-32 1,1 0 0,-32 31-1,32-31 1</inkml:trace>
+  <inkml:trace contextRef="#ctx0" brushRef="#br0" timeOffset="155166.381">12668 2476 0,'96'0'78,"-33"0"-78,32-31 16,-31 31-16,-32 0 15,63 0-15,0 0 16,0 0-16,0-32 16,33 0-16,-2 32 15,-30-32-15,-33 32 16,96-31-16,-95 31 0,31 0 16,-64 0-16,1 0 15,32 0-15,-1 0 16,1 0-16,-1 0 15,-31 0-15,32 0 16,-33 31 0,1-31-1,0 0 17,-32 32-1</inkml:trace>
+  <inkml:trace contextRef="#ctx0" brushRef="#br0" timeOffset="156184.323">12351 3238 0,'127'32'110,"0"-32"-95,0 0-15,-32 32 16,64-32-16,-127 0 16,63 0-16,-64 0 15,33 32-15,0-32 16,-1 0-16,-31 31 16,31-31-16,1 0 15,63 0-15,-32 32 16,32-32-16,-32 32 0,64 31 15,-96-63-15,65 32 16,-65-32-16,0 0 16,1 32-16,0 0 15,-33-32 1,1 0 0,-32 31-1,32-31 1</inkml:trace>
   <inkml:trace contextRef="#ctx0" brushRef="#br0" timeOffset="158165.979">14383 9493 0,'0'191'125,"0"-128"-125,0 32 16,0-31-16,31-32 15,-31 63-15,0-32 16,32 128-16,-32-64 16,0 0-16,0 190 0,0-285 15,0 127 1,-32-96-16,32-31 0,0 0 16,0 0-1,0-1 16,0 1-15,0 0 0,0 0 15</inkml:trace>
   <inkml:trace contextRef="#ctx0" brushRef="#br0" timeOffset="159141.542">15748 9557 0,'0'63'172,"0"128"-156,0-1-16,0-31 16,0-64-16,0-31 15,0-1-15,0-31 16,0 0 15,0-1-31,0 1 31,0 0-15,0 0 15,0-1-15,0 1 15,0 0 16,-32-32-47</inkml:trace>
   <inkml:trace contextRef="#ctx0" brushRef="#br0" timeOffset="164512.222">21114 9747 0,'0'32'219,"32"-32"-203,-96 0 124,32 0-124,0 0 0,1 0-16,-1 0 15,0 0 16,1 0 1,62 0 108,-31 95-108,0 0-17,0-63-15,0 0 0,0 0 31,32-1-31,-32 1 0,0 0 32,0 31-32,0 1 15,0-32 1,0-1 0,0 1-16,0 0 31,0 0-16,0 95 1,0-96 0,0 1-1,0 0-15,0 0 0,0-1 16,0 1 0,0 0-1,0 0 32,0-1 0</inkml:trace>
@@ -573,7 +573,7 @@
           <a:p>
             <a:fld id="{A1460D96-3421-4C64-B53D-9458535593F7}" type="datetimeFigureOut">
               <a:rPr lang="zh-TW" altLang="en-US" smtClean="0"/>
-              <a:t>2019/6/8</a:t>
+              <a:t>2019/7/16</a:t>
             </a:fld>
             <a:endParaRPr lang="zh-TW" altLang="en-US"/>
           </a:p>
@@ -859,6 +859,93 @@
       </p:grpSpPr>
       <p:sp>
         <p:nvSpPr>
+          <p:cNvPr id="2" name="幻灯片图像占位符 1"/>
+          <p:cNvSpPr>
+            <a:spLocks noGrp="1" noRot="1" noChangeAspect="1"/>
+          </p:cNvSpPr>
+          <p:nvPr>
+            <p:ph type="sldImg"/>
+          </p:nvPr>
+        </p:nvSpPr>
+        <p:spPr/>
+      </p:sp>
+      <p:sp>
+        <p:nvSpPr>
+          <p:cNvPr id="3" name="备注占位符 2"/>
+          <p:cNvSpPr>
+            <a:spLocks noGrp="1"/>
+          </p:cNvSpPr>
+          <p:nvPr>
+            <p:ph type="body" idx="1"/>
+          </p:nvPr>
+        </p:nvSpPr>
+        <p:spPr/>
+        <p:txBody>
+          <a:bodyPr/>
+          <a:lstStyle/>
+          <a:p>
+            <a:r>
+              <a:rPr lang="zh-CN" altLang="en-US" dirty="0"/>
+              <a:t>是线性系统</a:t>
+            </a:r>
+          </a:p>
+        </p:txBody>
+      </p:sp>
+      <p:sp>
+        <p:nvSpPr>
+          <p:cNvPr id="4" name="灯片编号占位符 3"/>
+          <p:cNvSpPr>
+            <a:spLocks noGrp="1"/>
+          </p:cNvSpPr>
+          <p:nvPr>
+            <p:ph type="sldNum" sz="quarter" idx="5"/>
+          </p:nvPr>
+        </p:nvSpPr>
+        <p:spPr/>
+        <p:txBody>
+          <a:bodyPr/>
+          <a:lstStyle/>
+          <a:p>
+            <a:fld id="{31EB6D90-10E6-4D93-BC0D-4D3BFEAA5F7B}" type="slidenum">
+              <a:rPr lang="zh-TW" altLang="en-US" smtClean="0"/>
+              <a:t>8</a:t>
+            </a:fld>
+            <a:endParaRPr lang="zh-TW" altLang="en-US"/>
+          </a:p>
+        </p:txBody>
+      </p:sp>
+    </p:spTree>
+    <p:extLst>
+      <p:ext uri="{BB962C8B-B14F-4D97-AF65-F5344CB8AC3E}">
+        <p14:creationId xmlns:p14="http://schemas.microsoft.com/office/powerpoint/2010/main" val="3523382331"/>
+      </p:ext>
+    </p:extLst>
+  </p:cSld>
+  <p:clrMapOvr>
+    <a:masterClrMapping/>
+  </p:clrMapOvr>
+</p:notes>
+</file>
+
+<file path=ppt/notesSlides/notesSlide2.xml><?xml version="1.0" encoding="utf-8"?>
+<p:notes xmlns:a="http://schemas.openxmlformats.org/drawingml/2006/main" xmlns:r="http://schemas.openxmlformats.org/officeDocument/2006/relationships" xmlns:p="http://schemas.openxmlformats.org/presentationml/2006/main">
+  <p:cSld>
+    <p:spTree>
+      <p:nvGrpSpPr>
+        <p:cNvPr id="1" name=""/>
+        <p:cNvGrpSpPr/>
+        <p:nvPr/>
+      </p:nvGrpSpPr>
+      <p:grpSpPr>
+        <a:xfrm>
+          <a:off x="0" y="0"/>
+          <a:ext cx="0" cy="0"/>
+          <a:chOff x="0" y="0"/>
+          <a:chExt cx="0" cy="0"/>
+        </a:xfrm>
+      </p:grpSpPr>
+      <p:sp>
+        <p:nvSpPr>
           <p:cNvPr id="2" name="投影片圖像版面配置區 1"/>
           <p:cNvSpPr>
             <a:spLocks noGrp="1" noRot="1" noChangeAspect="1"/>
@@ -1055,7 +1142,7 @@
           <a:p>
             <a:fld id="{F102ED1F-2097-4DF5-9932-BD25E51F55A3}" type="datetimeFigureOut">
               <a:rPr lang="zh-TW" altLang="en-US" smtClean="0"/>
-              <a:t>2019/6/8</a:t>
+              <a:t>2019/7/16</a:t>
             </a:fld>
             <a:endParaRPr lang="zh-TW" altLang="en-US"/>
           </a:p>
@@ -1225,7 +1312,7 @@
           <a:p>
             <a:fld id="{F102ED1F-2097-4DF5-9932-BD25E51F55A3}" type="datetimeFigureOut">
               <a:rPr lang="zh-TW" altLang="en-US" smtClean="0"/>
-              <a:t>2019/6/8</a:t>
+              <a:t>2019/7/16</a:t>
             </a:fld>
             <a:endParaRPr lang="zh-TW" altLang="en-US"/>
           </a:p>
@@ -1405,7 +1492,7 @@
           <a:p>
             <a:fld id="{F102ED1F-2097-4DF5-9932-BD25E51F55A3}" type="datetimeFigureOut">
               <a:rPr lang="zh-TW" altLang="en-US" smtClean="0"/>
-              <a:t>2019/6/8</a:t>
+              <a:t>2019/7/16</a:t>
             </a:fld>
             <a:endParaRPr lang="zh-TW" altLang="en-US"/>
           </a:p>
@@ -1575,7 +1662,7 @@
           <a:p>
             <a:fld id="{F102ED1F-2097-4DF5-9932-BD25E51F55A3}" type="datetimeFigureOut">
               <a:rPr lang="zh-TW" altLang="en-US" smtClean="0"/>
-              <a:t>2019/6/8</a:t>
+              <a:t>2019/7/16</a:t>
             </a:fld>
             <a:endParaRPr lang="zh-TW" altLang="en-US"/>
           </a:p>
@@ -1819,7 +1906,7 @@
           <a:p>
             <a:fld id="{F102ED1F-2097-4DF5-9932-BD25E51F55A3}" type="datetimeFigureOut">
               <a:rPr lang="zh-TW" altLang="en-US" smtClean="0"/>
-              <a:t>2019/6/8</a:t>
+              <a:t>2019/7/16</a:t>
             </a:fld>
             <a:endParaRPr lang="zh-TW" altLang="en-US"/>
           </a:p>
@@ -2051,7 +2138,7 @@
           <a:p>
             <a:fld id="{F102ED1F-2097-4DF5-9932-BD25E51F55A3}" type="datetimeFigureOut">
               <a:rPr lang="zh-TW" altLang="en-US" smtClean="0"/>
-              <a:t>2019/6/8</a:t>
+              <a:t>2019/7/16</a:t>
             </a:fld>
             <a:endParaRPr lang="zh-TW" altLang="en-US"/>
           </a:p>
@@ -2418,7 +2505,7 @@
           <a:p>
             <a:fld id="{F102ED1F-2097-4DF5-9932-BD25E51F55A3}" type="datetimeFigureOut">
               <a:rPr lang="zh-TW" altLang="en-US" smtClean="0"/>
-              <a:t>2019/6/8</a:t>
+              <a:t>2019/7/16</a:t>
             </a:fld>
             <a:endParaRPr lang="zh-TW" altLang="en-US"/>
           </a:p>
@@ -2536,7 +2623,7 @@
           <a:p>
             <a:fld id="{F102ED1F-2097-4DF5-9932-BD25E51F55A3}" type="datetimeFigureOut">
               <a:rPr lang="zh-TW" altLang="en-US" smtClean="0"/>
-              <a:t>2019/6/8</a:t>
+              <a:t>2019/7/16</a:t>
             </a:fld>
             <a:endParaRPr lang="zh-TW" altLang="en-US"/>
           </a:p>
@@ -2631,7 +2718,7 @@
           <a:p>
             <a:fld id="{F102ED1F-2097-4DF5-9932-BD25E51F55A3}" type="datetimeFigureOut">
               <a:rPr lang="zh-TW" altLang="en-US" smtClean="0"/>
-              <a:t>2019/6/8</a:t>
+              <a:t>2019/7/16</a:t>
             </a:fld>
             <a:endParaRPr lang="zh-TW" altLang="en-US"/>
           </a:p>
@@ -2908,7 +2995,7 @@
           <a:p>
             <a:fld id="{F102ED1F-2097-4DF5-9932-BD25E51F55A3}" type="datetimeFigureOut">
               <a:rPr lang="zh-TW" altLang="en-US" smtClean="0"/>
-              <a:t>2019/6/8</a:t>
+              <a:t>2019/7/16</a:t>
             </a:fld>
             <a:endParaRPr lang="zh-TW" altLang="en-US"/>
           </a:p>
@@ -3165,7 +3252,7 @@
           <a:p>
             <a:fld id="{F102ED1F-2097-4DF5-9932-BD25E51F55A3}" type="datetimeFigureOut">
               <a:rPr lang="zh-TW" altLang="en-US" smtClean="0"/>
-              <a:t>2019/6/8</a:t>
+              <a:t>2019/7/16</a:t>
             </a:fld>
             <a:endParaRPr lang="zh-TW" altLang="en-US"/>
           </a:p>
@@ -3378,7 +3465,7 @@
           <a:p>
             <a:fld id="{F102ED1F-2097-4DF5-9932-BD25E51F55A3}" type="datetimeFigureOut">
               <a:rPr lang="zh-TW" altLang="en-US" smtClean="0"/>
-              <a:t>2019/6/8</a:t>
+              <a:t>2019/7/16</a:t>
             </a:fld>
             <a:endParaRPr lang="zh-TW" altLang="en-US"/>
           </a:p>
@@ -9796,14 +9883,14 @@
           <a:effectLst/>
           <a:extLst>
             <a:ext uri="{909E8E84-426E-40dd-AFC4-6F175D3DCCD1}">
-              <a14:hiddenFill xmlns:a14="http://schemas.microsoft.com/office/drawing/2010/main" xmlns="">
+              <a14:hiddenFill xmlns="" xmlns:a14="http://schemas.microsoft.com/office/drawing/2010/main">
                 <a:solidFill>
                   <a:schemeClr val="accent1"/>
                 </a:solidFill>
               </a14:hiddenFill>
             </a:ext>
             <a:ext uri="{91240B29-F687-4f45-9708-019B960494DF}">
-              <a14:hiddenLine xmlns:a14="http://schemas.microsoft.com/office/drawing/2010/main" xmlns="" w="9525">
+              <a14:hiddenLine xmlns="" xmlns:a14="http://schemas.microsoft.com/office/drawing/2010/main" w="9525">
                 <a:solidFill>
                   <a:schemeClr val="tx1"/>
                 </a:solidFill>
@@ -9813,7 +9900,7 @@
               </a14:hiddenLine>
             </a:ext>
             <a:ext uri="{AF507438-7753-43e0-B8FC-AC1667EBCBE1}">
-              <a14:hiddenEffects xmlns:a14="http://schemas.microsoft.com/office/drawing/2010/main" xmlns="">
+              <a14:hiddenEffects xmlns="" xmlns:a14="http://schemas.microsoft.com/office/drawing/2010/main">
                 <a:effectLst>
                   <a:outerShdw dist="35921" dir="2700000" algn="ctr" rotWithShape="0">
                     <a:schemeClr val="bg2"/>
@@ -11369,7 +11456,7 @@
             </p:nvSpPr>
             <p:spPr>
               <a:blipFill rotWithShape="0">
-                <a:blip r:embed="rId2"/>
+                <a:blip r:embed="rId3"/>
                 <a:stretch>
                   <a:fillRect l="-1391" t="-2241"/>
                 </a:stretch>
@@ -11546,7 +11633,7 @@
                 <a:avLst/>
               </a:prstGeom>
               <a:blipFill rotWithShape="0">
-                <a:blip r:embed="rId3"/>
+                <a:blip r:embed="rId4"/>
                 <a:stretch>
                   <a:fillRect/>
                 </a:stretch>
@@ -11740,7 +11827,7 @@
                 <a:avLst/>
               </a:prstGeom>
               <a:blipFill rotWithShape="0">
-                <a:blip r:embed="rId4"/>
+                <a:blip r:embed="rId5"/>
                 <a:stretch>
                   <a:fillRect/>
                 </a:stretch>
@@ -12247,7 +12334,7 @@
       </p:sp>
       <mc:AlternateContent xmlns:mc="http://schemas.openxmlformats.org/markup-compatibility/2006" xmlns:p14="http://schemas.microsoft.com/office/powerpoint/2010/main">
         <mc:Choice Requires="p14">
-          <p:contentPart p14:bwMode="auto" r:id="rId5">
+          <p:contentPart p14:bwMode="auto" r:id="rId6">
             <p14:nvContentPartPr>
               <p14:cNvPr id="17" name="筆跡 16">
                 <a:extLst>
@@ -12279,7 +12366,7 @@
               <p:nvPr/>
             </p:nvPicPr>
             <p:blipFill>
-              <a:blip r:embed="rId6"/>
+              <a:blip r:embed="rId7"/>
               <a:stretch>
                 <a:fillRect/>
               </a:stretch>
